--- a/Document/SlideWeek6/TemplateMatching.pptx
+++ b/Document/SlideWeek6/TemplateMatching.pptx
@@ -238,7 +238,7 @@
           <a:p>
             <a:fld id="{5B14C9EB-6DB0-4253-A534-AA6AC3B617E1}" type="datetimeFigureOut">
               <a:rPr lang="en-US" smtClean="0"/>
-              <a:t>6/9/2025</a:t>
+              <a:t>6/11/2025</a:t>
             </a:fld>
             <a:endParaRPr lang="en-US"/>
           </a:p>
@@ -13369,7 +13369,7 @@
         </p:blipFill>
         <p:spPr>
           <a:xfrm>
-            <a:off x="224609" y="713983"/>
+            <a:off x="2842549" y="713983"/>
             <a:ext cx="5890630" cy="5787025"/>
           </a:xfrm>
           <a:prstGeom prst="rect">
@@ -13780,7 +13780,7 @@
           <p:nvPr/>
         </p:nvPicPr>
         <p:blipFill>
-          <a:blip r:embed="rId4">
+          <a:blip r:embed="rId4" cstate="print">
             <a:extLst>
               <a:ext uri="{28A0092B-C50C-407E-A947-70E740481C1C}">
                 <a14:useLocalDpi xmlns:a14="http://schemas.microsoft.com/office/drawing/2010/main" val="0"/>
@@ -13793,8 +13793,8 @@
         </p:blipFill>
         <p:spPr>
           <a:xfrm>
-            <a:off x="7904812" y="4353970"/>
-            <a:ext cx="738148" cy="923790"/>
+            <a:off x="7904812" y="4564622"/>
+            <a:ext cx="569827" cy="713137"/>
           </a:xfrm>
           <a:prstGeom prst="rect">
             <a:avLst/>
